--- a/Lab 6/Lab 6 bài giảng.pptx
+++ b/Lab 6/Lab 6 bài giảng.pptx
@@ -22946,7 +22946,23 @@
             </a:r>
             <a:r>
               <a:rPr lang="vi-VN" dirty="0"/>
-              <a:t> gồm n=10 phần tử.</a:t>
+              <a:t> gồm n</a:t>
+            </a:r>
+            <a:r>
+              <a:rPr lang="en-US" dirty="0"/>
+              <a:t> </a:t>
+            </a:r>
+            <a:r>
+              <a:rPr lang="vi-VN" dirty="0"/>
+              <a:t>=</a:t>
+            </a:r>
+            <a:r>
+              <a:rPr lang="en-US" dirty="0"/>
+              <a:t> </a:t>
+            </a:r>
+            <a:r>
+              <a:rPr lang="vi-VN" dirty="0"/>
+              <a:t>10 phần tử.</a:t>
             </a:r>
           </a:p>
           <a:p>
@@ -23044,9 +23060,12 @@
             </a:r>
             <a:r>
               <a:rPr lang="vi-VN" dirty="0"/>
-              <a:t> Tìm phần tử lớn nhất của danh sách và vị trí phần tử lớn nhất cuối cùng</a:t>
-            </a:r>
-            <a:endParaRPr lang="en-US" dirty="0"/>
+              <a:t> Tìm phần tử lớn nhất của danh sách và vị trí phần tử lớn nhất</a:t>
+            </a:r>
+            <a:r>
+              <a:rPr lang="en-US" dirty="0"/>
+              <a:t>.</a:t>
+            </a:r>
           </a:p>
         </p:txBody>
       </p:sp>
@@ -23532,7 +23551,25 @@
               <a:rPr lang="vi-VN" altLang="en-US" dirty="0">
                 <a:ea typeface="Arial" charset="0"/>
               </a:rPr>
-              <a:t>Viết chương trình nhập vào một danh sách các phần tử là số tự nhiên với số phần tử bằng n</a:t>
+              <a:t>Viết chương trình nhập vào một danh sách các phần tử là số </a:t>
+            </a:r>
+            <a:r>
+              <a:rPr lang="en-US" altLang="en-US" dirty="0" err="1">
+                <a:ea typeface="Arial" charset="0"/>
+              </a:rPr>
+              <a:t>nguyên</a:t>
+            </a:r>
+            <a:r>
+              <a:rPr lang="en-US" altLang="en-US" dirty="0">
+                <a:ea typeface="Arial" charset="0"/>
+              </a:rPr>
+              <a:t> </a:t>
+            </a:r>
+            <a:r>
+              <a:rPr lang="vi-VN" altLang="en-US" dirty="0">
+                <a:ea typeface="Arial" charset="0"/>
+              </a:rPr>
+              <a:t>với số phần tử bằng n</a:t>
             </a:r>
             <a:r>
               <a:rPr lang="en-US" altLang="en-US" dirty="0">
@@ -23579,8 +23616,89 @@
               <a:rPr lang="vi-VN" altLang="en-US" dirty="0">
                 <a:ea typeface="Arial" charset="0"/>
               </a:rPr>
-              <a:t> Viết chương trình Python tìm phần tử lớn thứ hai của danh sách và vị trí của phần tử đạt giá trị lớn thứ hai.</a:t>
-            </a:r>
+              <a:t> Viết chương trình Python tìm phần tử lớn thứ hai của danh sách và</a:t>
+            </a:r>
+            <a:r>
+              <a:rPr lang="en-US" altLang="en-US" dirty="0">
+                <a:ea typeface="Arial" charset="0"/>
+              </a:rPr>
+              <a:t> in ra </a:t>
+            </a:r>
+            <a:r>
+              <a:rPr lang="en-US" altLang="en-US" dirty="0" err="1">
+                <a:ea typeface="Arial" charset="0"/>
+              </a:rPr>
+              <a:t>vị</a:t>
+            </a:r>
+            <a:r>
+              <a:rPr lang="en-US" altLang="en-US" dirty="0">
+                <a:ea typeface="Arial" charset="0"/>
+              </a:rPr>
+              <a:t> </a:t>
+            </a:r>
+            <a:r>
+              <a:rPr lang="en-US" altLang="en-US" dirty="0" err="1">
+                <a:ea typeface="Arial" charset="0"/>
+              </a:rPr>
+              <a:t>trí</a:t>
+            </a:r>
+            <a:r>
+              <a:rPr lang="en-US" altLang="en-US" dirty="0">
+                <a:ea typeface="Arial" charset="0"/>
+              </a:rPr>
+              <a:t> </a:t>
+            </a:r>
+            <a:r>
+              <a:rPr lang="en-US" altLang="en-US" dirty="0" err="1">
+                <a:ea typeface="Arial" charset="0"/>
+              </a:rPr>
+              <a:t>của</a:t>
+            </a:r>
+            <a:r>
+              <a:rPr lang="en-US" altLang="en-US" dirty="0">
+                <a:ea typeface="Arial" charset="0"/>
+              </a:rPr>
+              <a:t> </a:t>
+            </a:r>
+            <a:r>
+              <a:rPr lang="en-US" altLang="en-US" dirty="0" err="1">
+                <a:ea typeface="Arial" charset="0"/>
+              </a:rPr>
+              <a:t>phần</a:t>
+            </a:r>
+            <a:r>
+              <a:rPr lang="en-US" altLang="en-US" dirty="0">
+                <a:ea typeface="Arial" charset="0"/>
+              </a:rPr>
+              <a:t> </a:t>
+            </a:r>
+            <a:r>
+              <a:rPr lang="en-US" altLang="en-US" dirty="0" err="1">
+                <a:ea typeface="Arial" charset="0"/>
+              </a:rPr>
+              <a:t>tử</a:t>
+            </a:r>
+            <a:r>
+              <a:rPr lang="en-US" altLang="en-US" dirty="0">
+                <a:ea typeface="Arial" charset="0"/>
+              </a:rPr>
+              <a:t> </a:t>
+            </a:r>
+            <a:r>
+              <a:rPr lang="en-US" altLang="en-US" dirty="0" err="1">
+                <a:ea typeface="Arial" charset="0"/>
+              </a:rPr>
+              <a:t>đó</a:t>
+            </a:r>
+            <a:r>
+              <a:rPr lang="en-US" altLang="en-US" dirty="0">
+                <a:ea typeface="Arial" charset="0"/>
+              </a:rPr>
+              <a:t>.</a:t>
+            </a:r>
+            <a:endParaRPr lang="vi-VN" altLang="en-US" dirty="0">
+              <a:ea typeface="Arial" charset="0"/>
+            </a:endParaRPr>
           </a:p>
           <a:p>
             <a:pPr marL="0" indent="0">
@@ -25329,28 +25447,32 @@
               <a:t> </a:t>
             </a:r>
             <a:r>
-              <a:rPr lang="en-US" altLang="en-US" dirty="0" err="1"/>
+              <a:rPr lang="en-US" altLang="en-US" b="1" dirty="0" err="1"/>
               <a:t>dấu</a:t>
             </a:r>
             <a:r>
+              <a:rPr lang="en-US" altLang="en-US" b="1" dirty="0"/>
+              <a:t> </a:t>
+            </a:r>
+            <a:r>
+              <a:rPr lang="en-US" altLang="en-US" b="1" dirty="0" err="1"/>
+              <a:t>ngoặc</a:t>
+            </a:r>
+            <a:r>
+              <a:rPr lang="en-US" altLang="en-US" b="1" dirty="0"/>
+              <a:t> </a:t>
+            </a:r>
+            <a:r>
+              <a:rPr lang="en-US" altLang="en-US" b="1" dirty="0" err="1"/>
+              <a:t>vuông</a:t>
+            </a:r>
+            <a:r>
+              <a:rPr lang="en-US" altLang="en-US" b="1" dirty="0"/>
+              <a:t> []</a:t>
+            </a:r>
+            <a:r>
               <a:rPr lang="en-US" altLang="en-US" dirty="0"/>
-              <a:t> </a:t>
-            </a:r>
-            <a:r>
-              <a:rPr lang="en-US" altLang="en-US" dirty="0" err="1"/>
-              <a:t>ngoặc</a:t>
-            </a:r>
-            <a:r>
-              <a:rPr lang="en-US" altLang="en-US" dirty="0"/>
-              <a:t> </a:t>
-            </a:r>
-            <a:r>
-              <a:rPr lang="en-US" altLang="en-US" dirty="0" err="1"/>
-              <a:t>vuông</a:t>
-            </a:r>
-            <a:r>
-              <a:rPr lang="en-US" altLang="en-US" dirty="0"/>
-              <a:t> [], </a:t>
+              <a:t>, </a:t>
             </a:r>
             <a:r>
               <a:rPr lang="en-US" altLang="en-US" dirty="0" err="1"/>
@@ -25393,15 +25515,15 @@
               <a:t> </a:t>
             </a:r>
             <a:r>
-              <a:rPr lang="en-US" altLang="en-US" dirty="0" err="1"/>
+              <a:rPr lang="en-US" altLang="en-US" b="1" dirty="0" err="1"/>
               <a:t>dấu</a:t>
             </a:r>
             <a:r>
-              <a:rPr lang="en-US" altLang="en-US" dirty="0"/>
-              <a:t> </a:t>
-            </a:r>
-            <a:r>
-              <a:rPr lang="en-US" altLang="en-US" dirty="0" err="1"/>
+              <a:rPr lang="en-US" altLang="en-US" b="1" dirty="0"/>
+              <a:t> </a:t>
+            </a:r>
+            <a:r>
+              <a:rPr lang="en-US" altLang="en-US" b="1" dirty="0" err="1"/>
               <a:t>phẩy</a:t>
             </a:r>
             <a:r>
@@ -26870,7 +26992,19 @@
               <a:rPr lang="vi-VN" altLang="en-US" dirty="0">
                 <a:ea typeface="Arial" charset="0"/>
               </a:rPr>
-              <a:t> Chọn ra phần từ thứ hai, thuộc vị trí thứ 3 của sublist.</a:t>
+              <a:t> Chọn ra phần t</a:t>
+            </a:r>
+            <a:r>
+              <a:rPr lang="en-US" altLang="en-US" dirty="0">
+                <a:ea typeface="Arial" charset="0"/>
+              </a:rPr>
+              <a:t>ử</a:t>
+            </a:r>
+            <a:r>
+              <a:rPr lang="vi-VN" altLang="en-US" dirty="0">
+                <a:ea typeface="Arial" charset="0"/>
+              </a:rPr>
+              <a:t> thứ hai, thuộc vị trí thứ 3 của sublist.</a:t>
             </a:r>
             <a:endParaRPr lang="en-US" altLang="en-US" dirty="0">
               <a:ea typeface="Arial" charset="0"/>
@@ -27940,6 +28074,399 @@
               <a:ea typeface="Arial" charset="0"/>
             </a:endParaRPr>
           </a:p>
+          <a:p>
+            <a:pPr marL="0" indent="0">
+              <a:spcBef>
+                <a:spcPts val="725"/>
+              </a:spcBef>
+              <a:spcAft>
+                <a:spcPts val="725"/>
+              </a:spcAft>
+              <a:buNone/>
+            </a:pPr>
+            <a:r>
+              <a:rPr lang="en-US" altLang="en-US" b="1" dirty="0" err="1">
+                <a:ea typeface="Arial" charset="0"/>
+              </a:rPr>
+              <a:t>Câu</a:t>
+            </a:r>
+            <a:r>
+              <a:rPr lang="en-US" altLang="en-US" b="1" dirty="0">
+                <a:ea typeface="Arial" charset="0"/>
+              </a:rPr>
+              <a:t> </a:t>
+            </a:r>
+            <a:r>
+              <a:rPr lang="en-US" altLang="en-US" b="1" dirty="0" err="1">
+                <a:ea typeface="Arial" charset="0"/>
+              </a:rPr>
+              <a:t>lệnh</a:t>
+            </a:r>
+            <a:r>
+              <a:rPr lang="en-US" altLang="en-US" b="1" dirty="0">
+                <a:ea typeface="Arial" charset="0"/>
+              </a:rPr>
+              <a:t>: </a:t>
+            </a:r>
+            <a:r>
+              <a:rPr lang="en-US" altLang="en-US" dirty="0">
+                <a:ea typeface="Arial" charset="0"/>
+              </a:rPr>
+              <a:t>assert condition, message</a:t>
+            </a:r>
+          </a:p>
+          <a:p>
+            <a:pPr marL="0" indent="0">
+              <a:spcBef>
+                <a:spcPts val="725"/>
+              </a:spcBef>
+              <a:spcAft>
+                <a:spcPts val="725"/>
+              </a:spcAft>
+              <a:buNone/>
+            </a:pPr>
+            <a:r>
+              <a:rPr lang="en-US" altLang="en-US" dirty="0" err="1">
+                <a:ea typeface="Arial" charset="0"/>
+              </a:rPr>
+              <a:t>Trong</a:t>
+            </a:r>
+            <a:r>
+              <a:rPr lang="en-US" altLang="en-US" dirty="0">
+                <a:ea typeface="Arial" charset="0"/>
+              </a:rPr>
+              <a:t> </a:t>
+            </a:r>
+            <a:r>
+              <a:rPr lang="en-US" altLang="en-US" dirty="0" err="1">
+                <a:ea typeface="Arial" charset="0"/>
+              </a:rPr>
+              <a:t>đó</a:t>
+            </a:r>
+            <a:r>
+              <a:rPr lang="en-US" altLang="en-US" dirty="0">
+                <a:ea typeface="Arial" charset="0"/>
+              </a:rPr>
+              <a:t>:</a:t>
+            </a:r>
+          </a:p>
+          <a:p>
+            <a:pPr marL="0" indent="0">
+              <a:spcBef>
+                <a:spcPts val="725"/>
+              </a:spcBef>
+              <a:spcAft>
+                <a:spcPts val="725"/>
+              </a:spcAft>
+              <a:buNone/>
+            </a:pPr>
+            <a:r>
+              <a:rPr lang="en-US" altLang="en-US" dirty="0">
+                <a:ea typeface="Arial" charset="0"/>
+              </a:rPr>
+              <a:t>Condition: </a:t>
+            </a:r>
+            <a:r>
+              <a:rPr lang="en-US" altLang="en-US" dirty="0" err="1">
+                <a:ea typeface="Arial" charset="0"/>
+              </a:rPr>
+              <a:t>là</a:t>
+            </a:r>
+            <a:r>
+              <a:rPr lang="en-US" altLang="en-US" dirty="0">
+                <a:ea typeface="Arial" charset="0"/>
+              </a:rPr>
+              <a:t> </a:t>
+            </a:r>
+            <a:r>
+              <a:rPr lang="en-US" altLang="en-US" dirty="0" err="1">
+                <a:ea typeface="Arial" charset="0"/>
+              </a:rPr>
+              <a:t>một</a:t>
+            </a:r>
+            <a:r>
+              <a:rPr lang="en-US" altLang="en-US" dirty="0">
+                <a:ea typeface="Arial" charset="0"/>
+              </a:rPr>
+              <a:t> </a:t>
+            </a:r>
+            <a:r>
+              <a:rPr lang="en-US" altLang="en-US" dirty="0" err="1">
+                <a:ea typeface="Arial" charset="0"/>
+              </a:rPr>
+              <a:t>biểu</a:t>
+            </a:r>
+            <a:r>
+              <a:rPr lang="en-US" altLang="en-US" dirty="0">
+                <a:ea typeface="Arial" charset="0"/>
+              </a:rPr>
+              <a:t> </a:t>
+            </a:r>
+            <a:r>
+              <a:rPr lang="en-US" altLang="en-US" dirty="0" err="1">
+                <a:ea typeface="Arial" charset="0"/>
+              </a:rPr>
+              <a:t>thức</a:t>
+            </a:r>
+            <a:r>
+              <a:rPr lang="en-US" altLang="en-US" dirty="0">
+                <a:ea typeface="Arial" charset="0"/>
+              </a:rPr>
+              <a:t> </a:t>
+            </a:r>
+            <a:r>
+              <a:rPr lang="en-US" altLang="en-US" dirty="0" err="1">
+                <a:ea typeface="Arial" charset="0"/>
+              </a:rPr>
+              <a:t>hoặc</a:t>
+            </a:r>
+            <a:r>
+              <a:rPr lang="en-US" altLang="en-US" dirty="0">
+                <a:ea typeface="Arial" charset="0"/>
+              </a:rPr>
+              <a:t> </a:t>
+            </a:r>
+            <a:r>
+              <a:rPr lang="en-US" altLang="en-US" dirty="0" err="1">
+                <a:ea typeface="Arial" charset="0"/>
+              </a:rPr>
+              <a:t>giá</a:t>
+            </a:r>
+            <a:r>
+              <a:rPr lang="en-US" altLang="en-US" dirty="0">
+                <a:ea typeface="Arial" charset="0"/>
+              </a:rPr>
+              <a:t> </a:t>
+            </a:r>
+            <a:r>
+              <a:rPr lang="en-US" altLang="en-US" dirty="0" err="1">
+                <a:ea typeface="Arial" charset="0"/>
+              </a:rPr>
+              <a:t>trị</a:t>
+            </a:r>
+            <a:r>
+              <a:rPr lang="en-US" altLang="en-US" dirty="0">
+                <a:ea typeface="Arial" charset="0"/>
+              </a:rPr>
+              <a:t> Boolean</a:t>
+            </a:r>
+          </a:p>
+          <a:p>
+            <a:pPr marL="0" indent="0">
+              <a:spcBef>
+                <a:spcPts val="725"/>
+              </a:spcBef>
+              <a:spcAft>
+                <a:spcPts val="725"/>
+              </a:spcAft>
+              <a:buNone/>
+            </a:pPr>
+            <a:r>
+              <a:rPr lang="en-US" altLang="en-US" dirty="0">
+                <a:ea typeface="Arial" charset="0"/>
+              </a:rPr>
+              <a:t>Message: </a:t>
+            </a:r>
+            <a:r>
+              <a:rPr lang="en-US" altLang="en-US" dirty="0" err="1">
+                <a:ea typeface="Arial" charset="0"/>
+              </a:rPr>
+              <a:t>chuỗi</a:t>
+            </a:r>
+            <a:r>
+              <a:rPr lang="en-US" altLang="en-US" dirty="0">
+                <a:ea typeface="Arial" charset="0"/>
+              </a:rPr>
+              <a:t> </a:t>
+            </a:r>
+            <a:r>
+              <a:rPr lang="en-US" altLang="en-US" dirty="0" err="1">
+                <a:ea typeface="Arial" charset="0"/>
+              </a:rPr>
+              <a:t>thông</a:t>
+            </a:r>
+            <a:r>
+              <a:rPr lang="en-US" altLang="en-US" dirty="0">
+                <a:ea typeface="Arial" charset="0"/>
+              </a:rPr>
+              <a:t> </a:t>
+            </a:r>
+            <a:r>
+              <a:rPr lang="en-US" altLang="en-US" dirty="0" err="1">
+                <a:ea typeface="Arial" charset="0"/>
+              </a:rPr>
+              <a:t>báo</a:t>
+            </a:r>
+            <a:r>
+              <a:rPr lang="en-US" altLang="en-US" dirty="0">
+                <a:ea typeface="Arial" charset="0"/>
+              </a:rPr>
+              <a:t> </a:t>
+            </a:r>
+            <a:r>
+              <a:rPr lang="en-US" altLang="en-US" dirty="0" err="1">
+                <a:ea typeface="Arial" charset="0"/>
+              </a:rPr>
+              <a:t>lỗi</a:t>
+            </a:r>
+            <a:r>
+              <a:rPr lang="en-US" altLang="en-US" dirty="0">
+                <a:ea typeface="Arial" charset="0"/>
+              </a:rPr>
+              <a:t>, </a:t>
+            </a:r>
+            <a:r>
+              <a:rPr lang="en-US" altLang="en-US" dirty="0" err="1">
+                <a:ea typeface="Arial" charset="0"/>
+              </a:rPr>
+              <a:t>nếu</a:t>
+            </a:r>
+            <a:r>
+              <a:rPr lang="en-US" altLang="en-US" dirty="0">
+                <a:ea typeface="Arial" charset="0"/>
+              </a:rPr>
+              <a:t> </a:t>
+            </a:r>
+            <a:r>
+              <a:rPr lang="en-US" altLang="en-US" dirty="0" err="1">
+                <a:ea typeface="Arial" charset="0"/>
+              </a:rPr>
+              <a:t>đều</a:t>
+            </a:r>
+            <a:r>
+              <a:rPr lang="en-US" altLang="en-US" dirty="0">
+                <a:ea typeface="Arial" charset="0"/>
+              </a:rPr>
+              <a:t> </a:t>
+            </a:r>
+            <a:r>
+              <a:rPr lang="en-US" altLang="en-US" dirty="0" err="1">
+                <a:ea typeface="Arial" charset="0"/>
+              </a:rPr>
+              <a:t>kiện</a:t>
+            </a:r>
+            <a:r>
+              <a:rPr lang="en-US" altLang="en-US" dirty="0">
+                <a:ea typeface="Arial" charset="0"/>
+              </a:rPr>
+              <a:t> </a:t>
+            </a:r>
+            <a:r>
+              <a:rPr lang="en-US" altLang="en-US" dirty="0" err="1">
+                <a:ea typeface="Arial" charset="0"/>
+              </a:rPr>
+              <a:t>sai</a:t>
+            </a:r>
+            <a:endParaRPr lang="en-US" altLang="en-US" dirty="0">
+              <a:ea typeface="Arial" charset="0"/>
+            </a:endParaRPr>
+          </a:p>
+          <a:p>
+            <a:pPr marL="0" indent="0">
+              <a:spcBef>
+                <a:spcPts val="725"/>
+              </a:spcBef>
+              <a:spcAft>
+                <a:spcPts val="725"/>
+              </a:spcAft>
+              <a:buNone/>
+            </a:pPr>
+            <a:r>
+              <a:rPr lang="en-US" altLang="en-US" dirty="0">
+                <a:ea typeface="Arial" charset="0"/>
+              </a:rPr>
+              <a:t>x = 5 </a:t>
+            </a:r>
+          </a:p>
+          <a:p>
+            <a:pPr marL="0" indent="0">
+              <a:spcBef>
+                <a:spcPts val="725"/>
+              </a:spcBef>
+              <a:spcAft>
+                <a:spcPts val="725"/>
+              </a:spcAft>
+              <a:buNone/>
+            </a:pPr>
+            <a:r>
+              <a:rPr lang="en-US" altLang="en-US" dirty="0">
+                <a:ea typeface="Arial" charset="0"/>
+              </a:rPr>
+              <a:t>assert x &gt; 0, “</a:t>
+            </a:r>
+            <a:r>
+              <a:rPr lang="en-US" altLang="en-US" dirty="0" err="1">
+                <a:ea typeface="Arial" charset="0"/>
+              </a:rPr>
+              <a:t>Giá</a:t>
+            </a:r>
+            <a:r>
+              <a:rPr lang="en-US" altLang="en-US" dirty="0">
+                <a:ea typeface="Arial" charset="0"/>
+              </a:rPr>
+              <a:t> </a:t>
+            </a:r>
+            <a:r>
+              <a:rPr lang="en-US" altLang="en-US" dirty="0" err="1">
+                <a:ea typeface="Arial" charset="0"/>
+              </a:rPr>
+              <a:t>trị</a:t>
+            </a:r>
+            <a:r>
+              <a:rPr lang="en-US" altLang="en-US" dirty="0">
+                <a:ea typeface="Arial" charset="0"/>
+              </a:rPr>
+              <a:t> </a:t>
+            </a:r>
+            <a:r>
+              <a:rPr lang="en-US" altLang="en-US" dirty="0" err="1">
+                <a:ea typeface="Arial" charset="0"/>
+              </a:rPr>
+              <a:t>của</a:t>
+            </a:r>
+            <a:r>
+              <a:rPr lang="en-US" altLang="en-US" dirty="0">
+                <a:ea typeface="Arial" charset="0"/>
+              </a:rPr>
+              <a:t> x </a:t>
+            </a:r>
+            <a:r>
+              <a:rPr lang="en-US" altLang="en-US" dirty="0" err="1">
+                <a:ea typeface="Arial" charset="0"/>
+              </a:rPr>
+              <a:t>là</a:t>
+            </a:r>
+            <a:r>
+              <a:rPr lang="en-US" altLang="en-US" dirty="0">
+                <a:ea typeface="Arial" charset="0"/>
+              </a:rPr>
+              <a:t> </a:t>
+            </a:r>
+            <a:r>
+              <a:rPr lang="en-US" altLang="en-US" dirty="0" err="1">
+                <a:ea typeface="Arial" charset="0"/>
+              </a:rPr>
+              <a:t>số</a:t>
+            </a:r>
+            <a:r>
+              <a:rPr lang="en-US" altLang="en-US" dirty="0">
+                <a:ea typeface="Arial" charset="0"/>
+              </a:rPr>
+              <a:t> </a:t>
+            </a:r>
+            <a:r>
+              <a:rPr lang="en-US" altLang="en-US" dirty="0" err="1">
+                <a:ea typeface="Arial" charset="0"/>
+              </a:rPr>
+              <a:t>dương</a:t>
+            </a:r>
+            <a:r>
+              <a:rPr lang="en-US" altLang="en-US" dirty="0">
+                <a:ea typeface="Arial" charset="0"/>
+              </a:rPr>
+              <a:t>”</a:t>
+            </a:r>
+          </a:p>
         </p:txBody>
       </p:sp>
       <p:sp>
@@ -31944,28 +32471,32 @@
               <a:t> </a:t>
             </a:r>
             <a:r>
-              <a:rPr lang="en-US" altLang="en-US" dirty="0" err="1"/>
+              <a:rPr lang="en-US" altLang="en-US" b="1" dirty="0" err="1"/>
               <a:t>độ</a:t>
             </a:r>
             <a:r>
+              <a:rPr lang="en-US" altLang="en-US" b="1" dirty="0"/>
+              <a:t> </a:t>
+            </a:r>
+            <a:r>
+              <a:rPr lang="en-US" altLang="en-US" b="1" dirty="0" err="1"/>
+              <a:t>dài</a:t>
+            </a:r>
+            <a:r>
+              <a:rPr lang="en-US" altLang="en-US" b="1" dirty="0"/>
+              <a:t> </a:t>
+            </a:r>
+            <a:r>
+              <a:rPr lang="en-US" altLang="en-US" b="1" dirty="0" err="1"/>
+              <a:t>của</a:t>
+            </a:r>
+            <a:r>
+              <a:rPr lang="en-US" altLang="en-US" b="1" dirty="0"/>
+              <a:t> list</a:t>
+            </a:r>
+            <a:r>
               <a:rPr lang="en-US" altLang="en-US" dirty="0"/>
-              <a:t> </a:t>
-            </a:r>
-            <a:r>
-              <a:rPr lang="en-US" altLang="en-US" dirty="0" err="1"/>
-              <a:t>dài</a:t>
-            </a:r>
-            <a:r>
-              <a:rPr lang="en-US" altLang="en-US" dirty="0"/>
-              <a:t> </a:t>
-            </a:r>
-            <a:r>
-              <a:rPr lang="en-US" altLang="en-US" dirty="0" err="1"/>
-              <a:t>của</a:t>
-            </a:r>
-            <a:r>
-              <a:rPr lang="en-US" altLang="en-US" dirty="0"/>
-              <a:t> list: </a:t>
+              <a:t>: </a:t>
             </a:r>
             <a:r>
               <a:rPr lang="en-US" altLang="en-US" dirty="0" err="1"/>
@@ -32008,11 +32539,11 @@
               <a:t> </a:t>
             </a:r>
             <a:r>
-              <a:rPr lang="en-US" altLang="en-US" dirty="0" err="1"/>
+              <a:rPr lang="en-US" altLang="en-US" b="1" dirty="0" err="1"/>
               <a:t>len</a:t>
             </a:r>
             <a:r>
-              <a:rPr lang="en-US" altLang="en-US" dirty="0"/>
+              <a:rPr lang="en-US" altLang="en-US" b="1" dirty="0"/>
               <a:t>() </a:t>
             </a:r>
             <a:r>
@@ -33496,22 +34027,16 @@
               <a:t>b</a:t>
             </a:r>
             <a:r>
-              <a:rPr lang="en-US" altLang="en-US">
+              <a:rPr lang="en-US" altLang="en-US" dirty="0">
                 <a:ea typeface="Arial" charset="0"/>
               </a:rPr>
               <a:t>)</a:t>
             </a:r>
             <a:r>
-              <a:rPr lang="vi-VN" altLang="en-US">
-                <a:ea typeface="Arial" charset="0"/>
-              </a:rPr>
-              <a:t> </a:t>
-            </a:r>
-            <a:r>
               <a:rPr lang="vi-VN" altLang="en-US" dirty="0">
                 <a:ea typeface="Arial" charset="0"/>
               </a:rPr>
-              <a:t>Tính tổng các phần tử của Ma trận A.</a:t>
+              <a:t> Tính tổng các phần tử của Ma trận A.</a:t>
             </a:r>
           </a:p>
           <a:p>
@@ -35127,8 +35652,8 @@
         </p:nvSpPr>
         <p:spPr>
           <a:xfrm>
-            <a:off x="392626" y="1644241"/>
-            <a:ext cx="11406748" cy="4604159"/>
+            <a:off x="392626" y="1371601"/>
+            <a:ext cx="11406748" cy="4876800"/>
           </a:xfrm>
         </p:spPr>
         <p:txBody>
@@ -35152,7 +35677,15 @@
             </a:r>
             <a:r>
               <a:rPr lang="vi-VN" altLang="en-US" dirty="0"/>
-              <a:t>append(element): Thêm phần tử element vào cuối list.</a:t>
+              <a:t>append(element): Thêm phần tử element vào </a:t>
+            </a:r>
+            <a:r>
+              <a:rPr lang="vi-VN" altLang="en-US" b="1" dirty="0"/>
+              <a:t>cuối list</a:t>
+            </a:r>
+            <a:r>
+              <a:rPr lang="vi-VN" altLang="en-US" dirty="0"/>
+              <a:t>.</a:t>
             </a:r>
           </a:p>
           <a:p>
@@ -35198,7 +35731,15 @@
             </a:r>
             <a:r>
               <a:rPr lang="vi-VN" altLang="en-US" dirty="0"/>
-              <a:t>pop(index): Xóa phần tử ở vị trí có chỉ số index khỏi list và trả về giá trị của phần tử bị xóa.</a:t>
+              <a:t>pop(index): Xóa phần tử ở vị trí có chỉ số index khỏi list </a:t>
+            </a:r>
+            <a:r>
+              <a:rPr lang="vi-VN" altLang="en-US" b="1" dirty="0"/>
+              <a:t>và trả về giá trị của phần tử bị xóa</a:t>
+            </a:r>
+            <a:r>
+              <a:rPr lang="vi-VN" altLang="en-US" dirty="0"/>
+              <a:t>.</a:t>
             </a:r>
           </a:p>
           <a:p>
@@ -36508,7 +37049,15 @@
           <a:p>
             <a:r>
               <a:rPr lang="vi-VN" altLang="en-US" dirty="0"/>
-              <a:t>List comprehension là một cú pháp trong Python cho phép tạo danh sách mới bằng cách áp dụng biểu thức lên các phần tử của một iterable. Nó cung cấp một cách ngắn gọn và mạnh mẽ để thực hiện các thao tác biến đổi và lọc dữ liệu trên danh sách.</a:t>
+              <a:t>List comprehension là một cú pháp trong Python cho phép </a:t>
+            </a:r>
+            <a:r>
+              <a:rPr lang="vi-VN" altLang="en-US" b="1" dirty="0"/>
+              <a:t>tạo danh sách mới </a:t>
+            </a:r>
+            <a:r>
+              <a:rPr lang="vi-VN" altLang="en-US" dirty="0"/>
+              <a:t>bằng cách áp dụng biểu thức lên các phần tử của một iterable. Nó cung cấp một cách ngắn gọn và mạnh mẽ để thực hiện các thao tác biến đổi và lọc dữ liệu trên danh sách.</a:t>
             </a:r>
             <a:endParaRPr lang="en-US" altLang="en-US" dirty="0"/>
           </a:p>
